--- a/Water_Analysis.pptx
+++ b/Water_Analysis.pptx
@@ -315,7 +315,7 @@
           <a:p>
             <a:fld id="{679BC7E7-EA8E-4DA7-915E-CC098D9BADCB}" type="datetimeFigureOut">
               <a:rPr lang="en-US" smtClean="0"/>
-              <a:t>2/16/16</a:t>
+              <a:t>2/17/16</a:t>
             </a:fld>
             <a:endParaRPr lang="en-US"/>
           </a:p>
@@ -444,7 +444,7 @@
           <a:p>
             <a:fld id="{679BC7E7-EA8E-4DA7-915E-CC098D9BADCB}" type="datetimeFigureOut">
               <a:rPr lang="en-US" smtClean="0"/>
-              <a:t>2/16/16</a:t>
+              <a:t>2/17/16</a:t>
             </a:fld>
             <a:endParaRPr lang="en-US"/>
           </a:p>
@@ -749,7 +749,7 @@
           <a:p>
             <a:fld id="{679BC7E7-EA8E-4DA7-915E-CC098D9BADCB}" type="datetimeFigureOut">
               <a:rPr lang="en-US" smtClean="0"/>
-              <a:t>2/16/16</a:t>
+              <a:t>2/17/16</a:t>
             </a:fld>
             <a:endParaRPr lang="en-US"/>
           </a:p>
@@ -974,7 +974,7 @@
           <a:p>
             <a:fld id="{679BC7E7-EA8E-4DA7-915E-CC098D9BADCB}" type="datetimeFigureOut">
               <a:rPr lang="en-US" smtClean="0"/>
-              <a:t>2/16/16</a:t>
+              <a:t>2/17/16</a:t>
             </a:fld>
             <a:endParaRPr lang="en-US"/>
           </a:p>
@@ -1244,7 +1244,7 @@
           <a:p>
             <a:fld id="{679BC7E7-EA8E-4DA7-915E-CC098D9BADCB}" type="datetimeFigureOut">
               <a:rPr lang="en-US" smtClean="0"/>
-              <a:t>2/16/16</a:t>
+              <a:t>2/17/16</a:t>
             </a:fld>
             <a:endParaRPr lang="en-US"/>
           </a:p>
@@ -1569,7 +1569,7 @@
           <a:p>
             <a:fld id="{679BC7E7-EA8E-4DA7-915E-CC098D9BADCB}" type="datetimeFigureOut">
               <a:rPr lang="en-US" smtClean="0"/>
-              <a:t>2/16/16</a:t>
+              <a:t>2/17/16</a:t>
             </a:fld>
             <a:endParaRPr lang="en-US"/>
           </a:p>
@@ -1762,7 +1762,7 @@
           <a:p>
             <a:fld id="{679BC7E7-EA8E-4DA7-915E-CC098D9BADCB}" type="datetimeFigureOut">
               <a:rPr lang="en-US" smtClean="0"/>
-              <a:t>2/16/16</a:t>
+              <a:t>2/17/16</a:t>
             </a:fld>
             <a:endParaRPr lang="en-US"/>
           </a:p>
@@ -1866,7 +1866,7 @@
           <a:p>
             <a:fld id="{679BC7E7-EA8E-4DA7-915E-CC098D9BADCB}" type="datetimeFigureOut">
               <a:rPr lang="en-US" smtClean="0"/>
-              <a:t>2/16/16</a:t>
+              <a:t>2/17/16</a:t>
             </a:fld>
             <a:endParaRPr lang="en-US"/>
           </a:p>
@@ -2035,7 +2035,7 @@
           <a:p>
             <a:fld id="{679BC7E7-EA8E-4DA7-915E-CC098D9BADCB}" type="datetimeFigureOut">
               <a:rPr lang="en-US" smtClean="0"/>
-              <a:t>2/16/16</a:t>
+              <a:t>2/17/16</a:t>
             </a:fld>
             <a:endParaRPr lang="en-US"/>
           </a:p>
@@ -2299,7 +2299,7 @@
           <a:p>
             <a:fld id="{679BC7E7-EA8E-4DA7-915E-CC098D9BADCB}" type="datetimeFigureOut">
               <a:rPr lang="en-US" smtClean="0"/>
-              <a:t>2/16/16</a:t>
+              <a:t>2/17/16</a:t>
             </a:fld>
             <a:endParaRPr lang="en-US"/>
           </a:p>
@@ -2633,7 +2633,7 @@
           <a:p>
             <a:fld id="{679BC7E7-EA8E-4DA7-915E-CC098D9BADCB}" type="datetimeFigureOut">
               <a:rPr lang="en-US" smtClean="0"/>
-              <a:t>2/16/16</a:t>
+              <a:t>2/17/16</a:t>
             </a:fld>
             <a:endParaRPr lang="en-US"/>
           </a:p>
@@ -3074,7 +3074,7 @@
           <a:p>
             <a:fld id="{679BC7E7-EA8E-4DA7-915E-CC098D9BADCB}" type="datetimeFigureOut">
               <a:rPr lang="en-US" smtClean="0"/>
-              <a:t>2/16/16</a:t>
+              <a:t>2/17/16</a:t>
             </a:fld>
             <a:endParaRPr lang="en-US"/>
           </a:p>
@@ -3272,7 +3272,7 @@
           <a:p>
             <a:fld id="{679BC7E7-EA8E-4DA7-915E-CC098D9BADCB}" type="datetimeFigureOut">
               <a:rPr lang="en-US" smtClean="0"/>
-              <a:t>2/16/16</a:t>
+              <a:t>2/17/16</a:t>
             </a:fld>
             <a:endParaRPr lang="en-US"/>
           </a:p>
@@ -3555,7 +3555,7 @@
           <a:p>
             <a:fld id="{679BC7E7-EA8E-4DA7-915E-CC098D9BADCB}" type="datetimeFigureOut">
               <a:rPr lang="en-US" smtClean="0"/>
-              <a:t>2/16/16</a:t>
+              <a:t>2/17/16</a:t>
             </a:fld>
             <a:endParaRPr lang="en-US"/>
           </a:p>
@@ -3923,7 +3923,7 @@
           <a:p>
             <a:fld id="{679BC7E7-EA8E-4DA7-915E-CC098D9BADCB}" type="datetimeFigureOut">
               <a:rPr lang="en-US" smtClean="0"/>
-              <a:t>2/16/16</a:t>
+              <a:t>2/17/16</a:t>
             </a:fld>
             <a:endParaRPr lang="en-US"/>
           </a:p>
@@ -4419,7 +4419,7 @@
           <a:p>
             <a:fld id="{679BC7E7-EA8E-4DA7-915E-CC098D9BADCB}" type="datetimeFigureOut">
               <a:rPr lang="en-US" smtClean="0"/>
-              <a:t>2/16/16</a:t>
+              <a:t>2/17/16</a:t>
             </a:fld>
             <a:endParaRPr lang="en-US"/>
           </a:p>
@@ -4628,7 +4628,7 @@
           <a:p>
             <a:fld id="{679BC7E7-EA8E-4DA7-915E-CC098D9BADCB}" type="datetimeFigureOut">
               <a:rPr lang="en-US" smtClean="0"/>
-              <a:t>2/16/16</a:t>
+              <a:t>2/17/16</a:t>
             </a:fld>
             <a:endParaRPr lang="en-US"/>
           </a:p>
@@ -5165,11 +5165,11 @@
   <p:clrMapOvr>
     <a:masterClrMapping/>
   </p:clrMapOvr>
-  <mc:AlternateContent xmlns:mc="http://schemas.openxmlformats.org/markup-compatibility/2006">
-    <mc:Choice xmlns:p14="http://schemas.microsoft.com/office/powerpoint/2010/main" Requires="p14">
+  <mc:AlternateContent xmlns:mc="http://schemas.openxmlformats.org/markup-compatibility/2006" xmlns:p14="http://schemas.microsoft.com/office/powerpoint/2010/main">
+    <mc:Choice Requires="p14">
       <p:transition p14:dur="0"/>
     </mc:Choice>
-    <mc:Fallback>
+    <mc:Fallback xmlns="">
       <p:transition xmlns:p14="http://schemas.microsoft.com/office/powerpoint/2010/main"/>
     </mc:Fallback>
   </mc:AlternateContent>
@@ -5502,11 +5502,11 @@
   <p:clrMapOvr>
     <a:masterClrMapping/>
   </p:clrMapOvr>
-  <mc:AlternateContent xmlns:mc="http://schemas.openxmlformats.org/markup-compatibility/2006">
-    <mc:Choice xmlns:p14="http://schemas.microsoft.com/office/powerpoint/2010/main" Requires="p14">
+  <mc:AlternateContent xmlns:mc="http://schemas.openxmlformats.org/markup-compatibility/2006" xmlns:p14="http://schemas.microsoft.com/office/powerpoint/2010/main">
+    <mc:Choice Requires="p14">
       <p:transition p14:dur="0"/>
     </mc:Choice>
-    <mc:Fallback>
+    <mc:Fallback xmlns="">
       <p:transition xmlns:p14="http://schemas.microsoft.com/office/powerpoint/2010/main"/>
     </mc:Fallback>
   </mc:AlternateContent>
@@ -5578,15 +5578,7 @@
           <a:p>
             <a:r>
               <a:rPr lang="en-US" dirty="0" smtClean="0"/>
-              <a:t>Program to Analyze Water Samples collected in varied places </a:t>
-            </a:r>
-            <a:r>
-              <a:rPr lang="en-US" dirty="0" smtClean="0"/>
-              <a:t>of </a:t>
-            </a:r>
-            <a:r>
-              <a:rPr lang="en-US" dirty="0" smtClean="0"/>
-              <a:t>Los Angeles</a:t>
+              <a:t>Program to Analyze Water Samples collected in varied places of Los Angeles</a:t>
             </a:r>
           </a:p>
           <a:p>
@@ -5626,11 +5618,11 @@
   <p:clrMapOvr>
     <a:masterClrMapping/>
   </p:clrMapOvr>
-  <mc:AlternateContent xmlns:mc="http://schemas.openxmlformats.org/markup-compatibility/2006">
-    <mc:Choice xmlns:p14="http://schemas.microsoft.com/office/powerpoint/2010/main" Requires="p14">
+  <mc:AlternateContent xmlns:mc="http://schemas.openxmlformats.org/markup-compatibility/2006" xmlns:p14="http://schemas.microsoft.com/office/powerpoint/2010/main">
+    <mc:Choice Requires="p14">
       <p:transition p14:dur="0"/>
     </mc:Choice>
-    <mc:Fallback>
+    <mc:Fallback xmlns="">
       <p:transition xmlns:p14="http://schemas.microsoft.com/office/powerpoint/2010/main"/>
     </mc:Fallback>
   </mc:AlternateContent>
@@ -5701,11 +5693,11 @@
   <p:clrMapOvr>
     <a:masterClrMapping/>
   </p:clrMapOvr>
-  <mc:AlternateContent xmlns:mc="http://schemas.openxmlformats.org/markup-compatibility/2006">
-    <mc:Choice xmlns:p14="http://schemas.microsoft.com/office/powerpoint/2010/main" Requires="p14">
+  <mc:AlternateContent xmlns:mc="http://schemas.openxmlformats.org/markup-compatibility/2006" xmlns:p14="http://schemas.microsoft.com/office/powerpoint/2010/main">
+    <mc:Choice Requires="p14">
       <p:transition p14:dur="0"/>
     </mc:Choice>
-    <mc:Fallback>
+    <mc:Fallback xmlns="">
       <p:transition xmlns:p14="http://schemas.microsoft.com/office/powerpoint/2010/main"/>
     </mc:Fallback>
   </mc:AlternateContent>
@@ -5777,7 +5769,23 @@
             <a:pPr algn="ctr"/>
             <a:r>
               <a:rPr lang="en-US" dirty="0" smtClean="0"/>
-              <a:t>Have a wonderful ! Looking forward to be part of this cheerful and exciting family. </a:t>
+              <a:t>Have a </a:t>
+            </a:r>
+            <a:r>
+              <a:rPr lang="en-US" smtClean="0"/>
+              <a:t>wonderful </a:t>
+            </a:r>
+            <a:r>
+              <a:rPr lang="en-US" smtClean="0"/>
+              <a:t>Evening </a:t>
+            </a:r>
+            <a:r>
+              <a:rPr lang="en-US" smtClean="0"/>
+              <a:t>! </a:t>
+            </a:r>
+            <a:r>
+              <a:rPr lang="en-US" dirty="0" smtClean="0"/>
+              <a:t>Looking forward to be part of this cheerful and exciting family. </a:t>
             </a:r>
             <a:endParaRPr lang="en-US" dirty="0"/>
           </a:p>
@@ -5793,11 +5801,11 @@
   <p:clrMapOvr>
     <a:masterClrMapping/>
   </p:clrMapOvr>
-  <mc:AlternateContent xmlns:mc="http://schemas.openxmlformats.org/markup-compatibility/2006">
-    <mc:Choice xmlns:p14="http://schemas.microsoft.com/office/powerpoint/2010/main" Requires="p14">
+  <mc:AlternateContent xmlns:mc="http://schemas.openxmlformats.org/markup-compatibility/2006" xmlns:p14="http://schemas.microsoft.com/office/powerpoint/2010/main">
+    <mc:Choice Requires="p14">
       <p:transition p14:dur="0"/>
     </mc:Choice>
-    <mc:Fallback>
+    <mc:Fallback xmlns="">
       <p:transition xmlns:p14="http://schemas.microsoft.com/office/powerpoint/2010/main"/>
     </mc:Fallback>
   </mc:AlternateContent>
@@ -5905,11 +5913,11 @@
   <p:clrMapOvr>
     <a:masterClrMapping/>
   </p:clrMapOvr>
-  <mc:AlternateContent xmlns:mc="http://schemas.openxmlformats.org/markup-compatibility/2006">
-    <mc:Choice xmlns:p14="http://schemas.microsoft.com/office/powerpoint/2010/main" Requires="p14">
+  <mc:AlternateContent xmlns:mc="http://schemas.openxmlformats.org/markup-compatibility/2006" xmlns:p14="http://schemas.microsoft.com/office/powerpoint/2010/main">
+    <mc:Choice Requires="p14">
       <p:transition p14:dur="0"/>
     </mc:Choice>
-    <mc:Fallback>
+    <mc:Fallback xmlns="">
       <p:transition xmlns:p14="http://schemas.microsoft.com/office/powerpoint/2010/main"/>
     </mc:Fallback>
   </mc:AlternateContent>
@@ -6327,11 +6335,11 @@
   <p:clrMapOvr>
     <a:masterClrMapping/>
   </p:clrMapOvr>
-  <mc:AlternateContent xmlns:mc="http://schemas.openxmlformats.org/markup-compatibility/2006">
-    <mc:Choice xmlns:p14="http://schemas.microsoft.com/office/powerpoint/2010/main" Requires="p14">
+  <mc:AlternateContent xmlns:mc="http://schemas.openxmlformats.org/markup-compatibility/2006" xmlns:p14="http://schemas.microsoft.com/office/powerpoint/2010/main">
+    <mc:Choice Requires="p14">
       <p:transition p14:dur="0"/>
     </mc:Choice>
-    <mc:Fallback>
+    <mc:Fallback xmlns="">
       <p:transition xmlns:p14="http://schemas.microsoft.com/office/powerpoint/2010/main"/>
     </mc:Fallback>
   </mc:AlternateContent>
@@ -7154,11 +7162,11 @@
   <p:clrMapOvr>
     <a:masterClrMapping/>
   </p:clrMapOvr>
-  <mc:AlternateContent xmlns:mc="http://schemas.openxmlformats.org/markup-compatibility/2006">
-    <mc:Choice xmlns:p14="http://schemas.microsoft.com/office/powerpoint/2010/main" Requires="p14">
+  <mc:AlternateContent xmlns:mc="http://schemas.openxmlformats.org/markup-compatibility/2006" xmlns:p14="http://schemas.microsoft.com/office/powerpoint/2010/main">
+    <mc:Choice Requires="p14">
       <p:transition p14:dur="0"/>
     </mc:Choice>
-    <mc:Fallback>
+    <mc:Fallback xmlns="">
       <p:transition xmlns:p14="http://schemas.microsoft.com/office/powerpoint/2010/main"/>
     </mc:Fallback>
   </mc:AlternateContent>
@@ -7241,11 +7249,11 @@
   <p:clrMapOvr>
     <a:masterClrMapping/>
   </p:clrMapOvr>
-  <mc:AlternateContent xmlns:mc="http://schemas.openxmlformats.org/markup-compatibility/2006">
-    <mc:Choice xmlns:p14="http://schemas.microsoft.com/office/powerpoint/2010/main" Requires="p14">
+  <mc:AlternateContent xmlns:mc="http://schemas.openxmlformats.org/markup-compatibility/2006" xmlns:p14="http://schemas.microsoft.com/office/powerpoint/2010/main">
+    <mc:Choice Requires="p14">
       <p:transition p14:dur="0"/>
     </mc:Choice>
-    <mc:Fallback>
+    <mc:Fallback xmlns="">
       <p:transition xmlns:p14="http://schemas.microsoft.com/office/powerpoint/2010/main"/>
     </mc:Fallback>
   </mc:AlternateContent>
@@ -7348,11 +7356,11 @@
   <p:clrMapOvr>
     <a:masterClrMapping/>
   </p:clrMapOvr>
-  <mc:AlternateContent xmlns:mc="http://schemas.openxmlformats.org/markup-compatibility/2006">
-    <mc:Choice xmlns:p14="http://schemas.microsoft.com/office/powerpoint/2010/main" Requires="p14">
+  <mc:AlternateContent xmlns:mc="http://schemas.openxmlformats.org/markup-compatibility/2006" xmlns:p14="http://schemas.microsoft.com/office/powerpoint/2010/main">
+    <mc:Choice Requires="p14">
       <p:transition p14:dur="0"/>
     </mc:Choice>
-    <mc:Fallback>
+    <mc:Fallback xmlns="">
       <p:transition xmlns:p14="http://schemas.microsoft.com/office/powerpoint/2010/main"/>
     </mc:Fallback>
   </mc:AlternateContent>
@@ -7495,11 +7503,11 @@
   <p:clrMapOvr>
     <a:masterClrMapping/>
   </p:clrMapOvr>
-  <mc:AlternateContent xmlns:mc="http://schemas.openxmlformats.org/markup-compatibility/2006">
-    <mc:Choice xmlns:p14="http://schemas.microsoft.com/office/powerpoint/2010/main" Requires="p14">
+  <mc:AlternateContent xmlns:mc="http://schemas.openxmlformats.org/markup-compatibility/2006" xmlns:p14="http://schemas.microsoft.com/office/powerpoint/2010/main">
+    <mc:Choice Requires="p14">
       <p:transition p14:dur="0"/>
     </mc:Choice>
-    <mc:Fallback>
+    <mc:Fallback xmlns="">
       <p:transition xmlns:p14="http://schemas.microsoft.com/office/powerpoint/2010/main"/>
     </mc:Fallback>
   </mc:AlternateContent>
@@ -7616,8 +7624,31 @@
             </a:r>
             <a:r>
               <a:rPr lang="en-US" dirty="0" smtClean="0"/>
-              <a:t>: calculate factor value of all the records in factor_weight tables w.r.t to given sample id contents and push into the map</a:t>
-            </a:r>
+              <a:t>: calculate factor value of all the records in factor_weight tables w.r.t to given sample id contents and push into the </a:t>
+            </a:r>
+            <a:r>
+              <a:rPr lang="en-US" dirty="0" smtClean="0"/>
+              <a:t>map</a:t>
+            </a:r>
+          </a:p>
+          <a:p>
+            <a:pPr lvl="3">
+              <a:buFont typeface="Wingdings" charset="2"/>
+              <a:buChar char="Ø"/>
+            </a:pPr>
+            <a:r>
+              <a:rPr lang="en-US" dirty="0" smtClean="0"/>
+              <a:t>Handles Exception if any one row has </a:t>
+            </a:r>
+            <a:r>
+              <a:rPr lang="en-US" dirty="0" err="1" smtClean="0"/>
+              <a:t>neg</a:t>
+            </a:r>
+            <a:r>
+              <a:rPr lang="en-US" dirty="0" smtClean="0"/>
+              <a:t> values. </a:t>
+            </a:r>
+            <a:endParaRPr lang="en-US" dirty="0" smtClean="0"/>
           </a:p>
           <a:p>
             <a:pPr lvl="2">
@@ -7659,11 +7690,11 @@
   <p:clrMapOvr>
     <a:masterClrMapping/>
   </p:clrMapOvr>
-  <mc:AlternateContent xmlns:mc="http://schemas.openxmlformats.org/markup-compatibility/2006">
-    <mc:Choice xmlns:p14="http://schemas.microsoft.com/office/powerpoint/2010/main" Requires="p14">
+  <mc:AlternateContent xmlns:mc="http://schemas.openxmlformats.org/markup-compatibility/2006" xmlns:p14="http://schemas.microsoft.com/office/powerpoint/2010/main">
+    <mc:Choice Requires="p14">
       <p:transition p14:dur="0"/>
     </mc:Choice>
-    <mc:Fallback>
+    <mc:Fallback xmlns="">
       <p:transition xmlns:p14="http://schemas.microsoft.com/office/powerpoint/2010/main"/>
     </mc:Fallback>
   </mc:AlternateContent>
@@ -7751,11 +7782,11 @@
   <p:clrMapOvr>
     <a:masterClrMapping/>
   </p:clrMapOvr>
-  <mc:AlternateContent xmlns:mc="http://schemas.openxmlformats.org/markup-compatibility/2006">
-    <mc:Choice xmlns:p14="http://schemas.microsoft.com/office/powerpoint/2010/main" Requires="p14">
+  <mc:AlternateContent xmlns:mc="http://schemas.openxmlformats.org/markup-compatibility/2006" xmlns:p14="http://schemas.microsoft.com/office/powerpoint/2010/main">
+    <mc:Choice Requires="p14">
       <p:transition p14:dur="0"/>
     </mc:Choice>
-    <mc:Fallback>
+    <mc:Fallback xmlns="">
       <p:transition xmlns:p14="http://schemas.microsoft.com/office/powerpoint/2010/main"/>
     </mc:Fallback>
   </mc:AlternateContent>
